--- a/capstone_final.pptx
+++ b/capstone_final.pptx
@@ -5,7 +5,7 @@
     <p:sldMasterId id="2147483650" r:id="rId4"/>
   </p:sldMasterIdLst>
   <p:notesMasterIdLst>
-    <p:notesMasterId r:id="rId32"/>
+    <p:notesMasterId r:id="rId37"/>
   </p:notesMasterIdLst>
   <p:sldIdLst>
     <p:sldId id="278" r:id="rId5"/>
@@ -33,8 +33,13 @@
     <p:sldId id="313" r:id="rId27"/>
     <p:sldId id="314" r:id="rId28"/>
     <p:sldId id="315" r:id="rId29"/>
-    <p:sldId id="316" r:id="rId30"/>
-    <p:sldId id="293" r:id="rId31"/>
+    <p:sldId id="317" r:id="rId30"/>
+    <p:sldId id="318" r:id="rId31"/>
+    <p:sldId id="319" r:id="rId32"/>
+    <p:sldId id="320" r:id="rId33"/>
+    <p:sldId id="321" r:id="rId34"/>
+    <p:sldId id="316" r:id="rId35"/>
+    <p:sldId id="293" r:id="rId36"/>
   </p:sldIdLst>
   <p:sldSz cx="12192000" cy="6858000"/>
   <p:notesSz cx="13716000" cy="24384000"/>
@@ -1178,10 +1183,6 @@
           </a:bodyPr>
           <a:lstStyle/>
           <a:p>
-            <a:r>
-              <a:rPr lang="en-US"/>
-              <a:t>Presentation title</a:t>
-            </a:r>
             <a:endParaRPr lang="en-US" dirty="0"/>
           </a:p>
         </p:txBody>
@@ -4994,10 +4995,6 @@
           </a:bodyPr>
           <a:lstStyle/>
           <a:p>
-            <a:r>
-              <a:rPr lang="en-US"/>
-              <a:t>Presentation title</a:t>
-            </a:r>
             <a:endParaRPr lang="en-US" dirty="0"/>
           </a:p>
         </p:txBody>
@@ -6237,10 +6234,6 @@
           <a:bodyPr/>
           <a:lstStyle/>
           <a:p>
-            <a:r>
-              <a:rPr lang="en-US"/>
-              <a:t>Presentation title</a:t>
-            </a:r>
             <a:endParaRPr lang="en-US" dirty="0"/>
           </a:p>
         </p:txBody>
@@ -7806,10 +7799,6 @@
           <a:bodyPr/>
           <a:lstStyle/>
           <a:p>
-            <a:r>
-              <a:rPr lang="en-US"/>
-              <a:t>Presentation title</a:t>
-            </a:r>
             <a:endParaRPr lang="en-US" dirty="0"/>
           </a:p>
         </p:txBody>
@@ -10032,10 +10021,6 @@
           <a:bodyPr/>
           <a:lstStyle/>
           <a:p>
-            <a:r>
-              <a:rPr lang="en-US"/>
-              <a:t>Presentation title</a:t>
-            </a:r>
             <a:endParaRPr lang="en-US" dirty="0"/>
           </a:p>
         </p:txBody>
@@ -12030,10 +12015,6 @@
           <a:bodyPr/>
           <a:lstStyle/>
           <a:p>
-            <a:r>
-              <a:rPr lang="en-US"/>
-              <a:t>Presentation title</a:t>
-            </a:r>
             <a:endParaRPr lang="en-US" dirty="0"/>
           </a:p>
         </p:txBody>
@@ -13249,10 +13230,6 @@
           <a:bodyPr/>
           <a:lstStyle/>
           <a:p>
-            <a:r>
-              <a:rPr lang="en-US"/>
-              <a:t>Presentation title</a:t>
-            </a:r>
             <a:endParaRPr lang="en-US" dirty="0"/>
           </a:p>
         </p:txBody>
@@ -15080,10 +15057,6 @@
           <a:bodyPr/>
           <a:lstStyle/>
           <a:p>
-            <a:r>
-              <a:rPr lang="en-US"/>
-              <a:t>Presentation title</a:t>
-            </a:r>
             <a:endParaRPr lang="en-US" dirty="0"/>
           </a:p>
         </p:txBody>
@@ -15540,10 +15513,6 @@
           </a:bodyPr>
           <a:lstStyle/>
           <a:p>
-            <a:r>
-              <a:rPr lang="en-US"/>
-              <a:t>Presentation title</a:t>
-            </a:r>
             <a:endParaRPr lang="en-US" dirty="0"/>
           </a:p>
         </p:txBody>
@@ -17706,10 +17675,6 @@
           </a:bodyPr>
           <a:lstStyle/>
           <a:p>
-            <a:r>
-              <a:rPr lang="en-US"/>
-              <a:t>Presentation title</a:t>
-            </a:r>
             <a:endParaRPr lang="en-US" dirty="0"/>
           </a:p>
         </p:txBody>
@@ -19123,10 +19088,6 @@
           </a:bodyPr>
           <a:lstStyle/>
           <a:p>
-            <a:r>
-              <a:rPr lang="en-US"/>
-              <a:t>Presentation title</a:t>
-            </a:r>
             <a:endParaRPr lang="en-US" dirty="0"/>
           </a:p>
         </p:txBody>
@@ -20717,10 +20678,6 @@
           </a:bodyPr>
           <a:lstStyle/>
           <a:p>
-            <a:r>
-              <a:rPr lang="en-US"/>
-              <a:t>Presentation title</a:t>
-            </a:r>
             <a:endParaRPr lang="en-US" dirty="0"/>
           </a:p>
         </p:txBody>
@@ -21429,10 +21386,6 @@
           </a:bodyPr>
           <a:lstStyle/>
           <a:p>
-            <a:r>
-              <a:rPr lang="en-US"/>
-              <a:t>Presentation title</a:t>
-            </a:r>
             <a:endParaRPr lang="en-US" dirty="0"/>
           </a:p>
         </p:txBody>
@@ -22784,10 +22737,6 @@
             </a:lvl1pPr>
           </a:lstStyle>
           <a:p>
-            <a:r>
-              <a:rPr lang="en-US"/>
-              <a:t>Presentation title</a:t>
-            </a:r>
             <a:endParaRPr lang="en-US" dirty="0"/>
           </a:p>
         </p:txBody>
@@ -22864,7 +22813,7 @@
     <p:sldLayoutId id="2147483658" r:id="rId19"/>
     <p:sldLayoutId id="2147483659" r:id="rId20"/>
   </p:sldLayoutIdLst>
-  <p:hf hdr="0" dt="0"/>
+  <p:hf hdr="0" ftr="0"/>
   <p:txStyles>
     <p:titleStyle>
       <a:lvl1pPr algn="ctr" defTabSz="914400" rtl="0" eaLnBrk="1" latinLnBrk="0" hangingPunct="1">
@@ -23178,7 +23127,7 @@
             <a:spLocks noGrp="1"/>
           </p:cNvSpPr>
           <p:nvPr>
-            <p:ph type="ctrTitle"/>
+            <p:ph type="title"/>
           </p:nvPr>
         </p:nvSpPr>
         <p:spPr/>
@@ -23190,6 +23139,29 @@
               <a:rPr lang="en-US" dirty="0"/>
               <a:t>Income Prediction</a:t>
             </a:r>
+            <a:br>
+              <a:rPr lang="en-US" dirty="0"/>
+            </a:br>
+            <a:br>
+              <a:rPr lang="en-US" dirty="0"/>
+            </a:br>
+            <a:br>
+              <a:rPr lang="en-US" dirty="0"/>
+            </a:br>
+            <a:r>
+              <a:rPr lang="en-US" sz="1200" dirty="0"/>
+              <a:t>by Team </a:t>
+            </a:r>
+            <a:r>
+              <a:rPr lang="en-US" sz="1200" dirty="0" err="1"/>
+              <a:t>zanzibar</a:t>
+            </a:r>
+            <a:br>
+              <a:rPr lang="en-US" dirty="0"/>
+            </a:br>
+            <a:br>
+              <a:rPr lang="en-US" dirty="0"/>
+            </a:br>
             <a:br>
               <a:rPr lang="en-US" dirty="0"/>
             </a:br>
@@ -23210,7 +23182,7 @@
             <a:spLocks noGrp="1"/>
           </p:cNvSpPr>
           <p:nvPr>
-            <p:ph type="subTitle" idx="1"/>
+            <p:ph idx="1"/>
           </p:nvPr>
         </p:nvSpPr>
         <p:spPr/>
@@ -23235,6 +23207,35 @@
             <a:endParaRPr lang="en-US" dirty="0"/>
           </a:p>
           <a:p>
+            <a:endParaRPr lang="en-US" dirty="0"/>
+          </a:p>
+        </p:txBody>
+      </p:sp>
+      <p:sp>
+        <p:nvSpPr>
+          <p:cNvPr id="4" name="Slide Number Placeholder 3">
+            <a:extLst>
+              <a:ext uri="{FF2B5EF4-FFF2-40B4-BE49-F238E27FC236}">
+                <a16:creationId xmlns:a16="http://schemas.microsoft.com/office/drawing/2014/main" id="{241CF290-181C-64BB-B7B3-C3366AD05968}"/>
+              </a:ext>
+            </a:extLst>
+          </p:cNvPr>
+          <p:cNvSpPr>
+            <a:spLocks noGrp="1"/>
+          </p:cNvSpPr>
+          <p:nvPr>
+            <p:ph type="sldNum" sz="quarter" idx="12"/>
+          </p:nvPr>
+        </p:nvSpPr>
+        <p:spPr/>
+        <p:txBody>
+          <a:bodyPr/>
+          <a:lstStyle/>
+          <a:p>
+            <a:fld id="{48F63A3B-78C7-47BE-AE5E-E10140E04643}" type="slidenum">
+              <a:rPr lang="en-US" smtClean="0"/>
+              <a:t>1</a:t>
+            </a:fld>
             <a:endParaRPr lang="en-US" dirty="0"/>
           </a:p>
         </p:txBody>
@@ -23644,8 +23645,8 @@
         </p:nvSpPr>
         <p:spPr>
           <a:xfrm>
-            <a:off x="673767" y="449179"/>
-            <a:ext cx="11085095" cy="1690517"/>
+            <a:off x="2630859" y="27874"/>
+            <a:ext cx="6766560" cy="768096"/>
           </a:xfrm>
         </p:spPr>
         <p:txBody>
@@ -23672,13 +23673,13 @@
             <a:spLocks noGrp="1"/>
           </p:cNvSpPr>
           <p:nvPr>
-            <p:ph type="body" idx="1"/>
+            <p:ph idx="1"/>
           </p:nvPr>
         </p:nvSpPr>
         <p:spPr>
           <a:xfrm>
-            <a:off x="805542" y="1182188"/>
-            <a:ext cx="9413966" cy="4841966"/>
+            <a:off x="2256390" y="787842"/>
+            <a:ext cx="6766560" cy="2700528"/>
           </a:xfrm>
         </p:spPr>
         <p:txBody>
@@ -23760,7 +23761,7 @@
         </p:blipFill>
         <p:spPr>
           <a:xfrm>
-            <a:off x="1454331" y="2740336"/>
+            <a:off x="1925463" y="2827421"/>
             <a:ext cx="7689669" cy="3705742"/>
           </a:xfrm>
           <a:prstGeom prst="rect">
@@ -23768,6 +23769,35 @@
           </a:prstGeom>
         </p:spPr>
       </p:pic>
+      <p:sp>
+        <p:nvSpPr>
+          <p:cNvPr id="4" name="Slide Number Placeholder 3">
+            <a:extLst>
+              <a:ext uri="{FF2B5EF4-FFF2-40B4-BE49-F238E27FC236}">
+                <a16:creationId xmlns:a16="http://schemas.microsoft.com/office/drawing/2014/main" id="{CBE172B8-2BE5-520B-B4C4-23CFFC386F81}"/>
+              </a:ext>
+            </a:extLst>
+          </p:cNvPr>
+          <p:cNvSpPr>
+            <a:spLocks noGrp="1"/>
+          </p:cNvSpPr>
+          <p:nvPr>
+            <p:ph type="sldNum" sz="quarter" idx="12"/>
+          </p:nvPr>
+        </p:nvSpPr>
+        <p:spPr/>
+        <p:txBody>
+          <a:bodyPr/>
+          <a:lstStyle/>
+          <a:p>
+            <a:fld id="{48F63A3B-78C7-47BE-AE5E-E10140E04643}" type="slidenum">
+              <a:rPr lang="en-US" smtClean="0"/>
+              <a:t>12</a:t>
+            </a:fld>
+            <a:endParaRPr lang="en-US" dirty="0"/>
+          </a:p>
+        </p:txBody>
+      </p:sp>
     </p:spTree>
     <p:extLst>
       <p:ext uri="{BB962C8B-B14F-4D97-AF65-F5344CB8AC3E}">
@@ -25226,12 +25256,7 @@
             <p:ph type="title"/>
           </p:nvPr>
         </p:nvSpPr>
-        <p:spPr>
-          <a:xfrm>
-            <a:off x="1499615" y="348343"/>
-            <a:ext cx="6860613" cy="957943"/>
-          </a:xfrm>
-        </p:spPr>
+        <p:spPr/>
         <p:txBody>
           <a:bodyPr/>
           <a:lstStyle/>
@@ -25273,12 +25298,7 @@
             <p:ph idx="1"/>
           </p:nvPr>
         </p:nvSpPr>
-        <p:spPr>
-          <a:xfrm>
-            <a:off x="1499615" y="1306287"/>
-            <a:ext cx="6782235" cy="5077096"/>
-          </a:xfrm>
-        </p:spPr>
+        <p:spPr/>
         <p:txBody>
           <a:bodyPr/>
           <a:lstStyle/>
@@ -25317,6 +25337,35 @@
               <a:rPr lang="en-US" dirty="0"/>
               <a:t>​Deployment</a:t>
             </a:r>
+          </a:p>
+        </p:txBody>
+      </p:sp>
+      <p:sp>
+        <p:nvSpPr>
+          <p:cNvPr id="4" name="Slide Number Placeholder 3">
+            <a:extLst>
+              <a:ext uri="{FF2B5EF4-FFF2-40B4-BE49-F238E27FC236}">
+                <a16:creationId xmlns:a16="http://schemas.microsoft.com/office/drawing/2014/main" id="{86B314FD-5F60-C69A-5C45-2B861ED14536}"/>
+              </a:ext>
+            </a:extLst>
+          </p:cNvPr>
+          <p:cNvSpPr>
+            <a:spLocks noGrp="1"/>
+          </p:cNvSpPr>
+          <p:nvPr>
+            <p:ph type="sldNum" sz="quarter" idx="12"/>
+          </p:nvPr>
+        </p:nvSpPr>
+        <p:spPr/>
+        <p:txBody>
+          <a:bodyPr/>
+          <a:lstStyle/>
+          <a:p>
+            <a:fld id="{48F63A3B-78C7-47BE-AE5E-E10140E04643}" type="slidenum">
+              <a:rPr lang="en-US" smtClean="0"/>
+              <a:t>2</a:t>
+            </a:fld>
+            <a:endParaRPr lang="en-US" dirty="0"/>
           </a:p>
         </p:txBody>
       </p:sp>
@@ -25952,6 +26001,597 @@
       </p:grpSpPr>
       <p:sp>
         <p:nvSpPr>
+          <p:cNvPr id="2" name="Title 1">
+            <a:extLst>
+              <a:ext uri="{FF2B5EF4-FFF2-40B4-BE49-F238E27FC236}">
+                <a16:creationId xmlns:a16="http://schemas.microsoft.com/office/drawing/2014/main" id="{D2E48534-B69F-371E-CA78-E7767834A6B6}"/>
+              </a:ext>
+            </a:extLst>
+          </p:cNvPr>
+          <p:cNvSpPr>
+            <a:spLocks noGrp="1"/>
+          </p:cNvSpPr>
+          <p:nvPr>
+            <p:ph type="title"/>
+          </p:nvPr>
+        </p:nvSpPr>
+        <p:spPr>
+          <a:xfrm>
+            <a:off x="1586701" y="244130"/>
+            <a:ext cx="8062396" cy="768096"/>
+          </a:xfrm>
+        </p:spPr>
+        <p:txBody>
+          <a:bodyPr/>
+          <a:lstStyle/>
+          <a:p>
+            <a:r>
+              <a:rPr lang="en-US" dirty="0"/>
+              <a:t>Conclusion</a:t>
+            </a:r>
+          </a:p>
+        </p:txBody>
+      </p:sp>
+      <p:sp>
+        <p:nvSpPr>
+          <p:cNvPr id="3" name="Content Placeholder 2">
+            <a:extLst>
+              <a:ext uri="{FF2B5EF4-FFF2-40B4-BE49-F238E27FC236}">
+                <a16:creationId xmlns:a16="http://schemas.microsoft.com/office/drawing/2014/main" id="{9364EDF8-E843-8232-5E9E-2829870092D6}"/>
+              </a:ext>
+            </a:extLst>
+          </p:cNvPr>
+          <p:cNvSpPr>
+            <a:spLocks noGrp="1"/>
+          </p:cNvSpPr>
+          <p:nvPr>
+            <p:ph idx="1"/>
+          </p:nvPr>
+        </p:nvSpPr>
+        <p:spPr>
+          <a:xfrm>
+            <a:off x="1656369" y="1012225"/>
+            <a:ext cx="9638647" cy="5745625"/>
+          </a:xfrm>
+        </p:spPr>
+        <p:txBody>
+          <a:bodyPr/>
+          <a:lstStyle/>
+          <a:p>
+            <a:r>
+              <a:rPr lang="en-US" sz="2000" dirty="0"/>
+              <a:t>Age Significance: Age is a critical factor influencing income levels, indicating that strategies focusing on age-related workforce development and support could positively impact income distribution.</a:t>
+            </a:r>
+          </a:p>
+          <a:p>
+            <a:endParaRPr lang="en-US" sz="2000" dirty="0"/>
+          </a:p>
+          <a:p>
+            <a:r>
+              <a:rPr lang="en-US" sz="2000" dirty="0"/>
+              <a:t>Gender Disparities: Substantial income disparities exist between genders, emphasizing the need for targeted initiatives to address gender-related challenges and promote equal opportunities in the workforce.</a:t>
+            </a:r>
+          </a:p>
+          <a:p>
+            <a:endParaRPr lang="en-US" dirty="0"/>
+          </a:p>
+          <a:p>
+            <a:endParaRPr lang="en-US" dirty="0"/>
+          </a:p>
+        </p:txBody>
+      </p:sp>
+    </p:spTree>
+    <p:extLst>
+      <p:ext uri="{BB962C8B-B14F-4D97-AF65-F5344CB8AC3E}">
+        <p14:creationId xmlns:p14="http://schemas.microsoft.com/office/powerpoint/2010/main" val="2561457278"/>
+      </p:ext>
+    </p:extLst>
+  </p:cSld>
+  <p:clrMapOvr>
+    <a:masterClrMapping/>
+  </p:clrMapOvr>
+</p:sld>
+</file>
+
+<file path=ppt/slides/slide27.xml><?xml version="1.0" encoding="utf-8"?>
+<p:sld xmlns:a="http://schemas.openxmlformats.org/drawingml/2006/main" xmlns:r="http://schemas.openxmlformats.org/officeDocument/2006/relationships" xmlns:p="http://schemas.openxmlformats.org/presentationml/2006/main">
+  <p:cSld>
+    <p:spTree>
+      <p:nvGrpSpPr>
+        <p:cNvPr id="1" name=""/>
+        <p:cNvGrpSpPr/>
+        <p:nvPr/>
+      </p:nvGrpSpPr>
+      <p:grpSpPr>
+        <a:xfrm>
+          <a:off x="0" y="0"/>
+          <a:ext cx="0" cy="0"/>
+          <a:chOff x="0" y="0"/>
+          <a:chExt cx="0" cy="0"/>
+        </a:xfrm>
+      </p:grpSpPr>
+      <p:sp>
+        <p:nvSpPr>
+          <p:cNvPr id="3" name="Content Placeholder 2">
+            <a:extLst>
+              <a:ext uri="{FF2B5EF4-FFF2-40B4-BE49-F238E27FC236}">
+                <a16:creationId xmlns:a16="http://schemas.microsoft.com/office/drawing/2014/main" id="{B996EC52-88E9-FEC3-1152-4A19CE0EE0C3}"/>
+              </a:ext>
+            </a:extLst>
+          </p:cNvPr>
+          <p:cNvSpPr>
+            <a:spLocks noGrp="1"/>
+          </p:cNvSpPr>
+          <p:nvPr>
+            <p:ph idx="1"/>
+          </p:nvPr>
+        </p:nvSpPr>
+        <p:spPr>
+          <a:xfrm>
+            <a:off x="1368987" y="306831"/>
+            <a:ext cx="10344041" cy="5310197"/>
+          </a:xfrm>
+        </p:spPr>
+        <p:txBody>
+          <a:bodyPr/>
+          <a:lstStyle/>
+          <a:p>
+            <a:r>
+              <a:rPr lang="en-US" sz="2000" dirty="0"/>
+              <a:t>Educational Impact: Higher levels of education are associated with increased income, suggesting that investing in education and skill development programs can contribute significantly to reducing income inequality.</a:t>
+            </a:r>
+          </a:p>
+          <a:p>
+            <a:endParaRPr lang="en-US" sz="2000" dirty="0"/>
+          </a:p>
+          <a:p>
+            <a:r>
+              <a:rPr lang="en-US" sz="2000" dirty="0"/>
+              <a:t>Work Class Influence: The type of employment significantly affects income, highlighting the importance of creating diverse job opportunities and improving working conditions across different sectors.</a:t>
+            </a:r>
+          </a:p>
+          <a:p>
+            <a:endParaRPr lang="en-US" dirty="0"/>
+          </a:p>
+        </p:txBody>
+      </p:sp>
+    </p:spTree>
+    <p:extLst>
+      <p:ext uri="{BB962C8B-B14F-4D97-AF65-F5344CB8AC3E}">
+        <p14:creationId xmlns:p14="http://schemas.microsoft.com/office/powerpoint/2010/main" val="1566065316"/>
+      </p:ext>
+    </p:extLst>
+  </p:cSld>
+  <p:clrMapOvr>
+    <a:masterClrMapping/>
+  </p:clrMapOvr>
+</p:sld>
+</file>
+
+<file path=ppt/slides/slide28.xml><?xml version="1.0" encoding="utf-8"?>
+<p:sld xmlns:a="http://schemas.openxmlformats.org/drawingml/2006/main" xmlns:r="http://schemas.openxmlformats.org/officeDocument/2006/relationships" xmlns:p="http://schemas.openxmlformats.org/presentationml/2006/main">
+  <p:cSld>
+    <p:spTree>
+      <p:nvGrpSpPr>
+        <p:cNvPr id="1" name=""/>
+        <p:cNvGrpSpPr/>
+        <p:nvPr/>
+      </p:nvGrpSpPr>
+      <p:grpSpPr>
+        <a:xfrm>
+          <a:off x="0" y="0"/>
+          <a:ext cx="0" cy="0"/>
+          <a:chOff x="0" y="0"/>
+          <a:chExt cx="0" cy="0"/>
+        </a:xfrm>
+      </p:grpSpPr>
+      <p:sp>
+        <p:nvSpPr>
+          <p:cNvPr id="3" name="Content Placeholder 2">
+            <a:extLst>
+              <a:ext uri="{FF2B5EF4-FFF2-40B4-BE49-F238E27FC236}">
+                <a16:creationId xmlns:a16="http://schemas.microsoft.com/office/drawing/2014/main" id="{4232A1DC-C3FA-647A-70B6-0B0ADDE35C69}"/>
+              </a:ext>
+            </a:extLst>
+          </p:cNvPr>
+          <p:cNvSpPr>
+            <a:spLocks noGrp="1"/>
+          </p:cNvSpPr>
+          <p:nvPr>
+            <p:ph idx="1"/>
+          </p:nvPr>
+        </p:nvSpPr>
+        <p:spPr>
+          <a:xfrm>
+            <a:off x="1813125" y="245145"/>
+            <a:ext cx="9595104" cy="6329825"/>
+          </a:xfrm>
+        </p:spPr>
+        <p:txBody>
+          <a:bodyPr/>
+          <a:lstStyle/>
+          <a:p>
+            <a:r>
+              <a:rPr lang="en-US" sz="2000" dirty="0"/>
+              <a:t>Marital Status Matters: Marital status plays a significant role in income distribution, indicating that policies supporting various marital statuses could contribute to a more equitable income distribution.</a:t>
+            </a:r>
+          </a:p>
+          <a:p>
+            <a:endParaRPr lang="en-US" sz="2000" dirty="0"/>
+          </a:p>
+          <a:p>
+            <a:r>
+              <a:rPr lang="en-US" sz="2000" dirty="0"/>
+              <a:t>Racial Disparities: Noteworthy differences in income distribution among different races suggest the importance of implementing strategies to address racial disparities and promote inclusivity in the workforce.</a:t>
+            </a:r>
+          </a:p>
+          <a:p>
+            <a:endParaRPr lang="en-US" dirty="0"/>
+          </a:p>
+          <a:p>
+            <a:endParaRPr lang="en-US" dirty="0"/>
+          </a:p>
+        </p:txBody>
+      </p:sp>
+    </p:spTree>
+    <p:extLst>
+      <p:ext uri="{BB962C8B-B14F-4D97-AF65-F5344CB8AC3E}">
+        <p14:creationId xmlns:p14="http://schemas.microsoft.com/office/powerpoint/2010/main" val="1686082279"/>
+      </p:ext>
+    </p:extLst>
+  </p:cSld>
+  <p:clrMapOvr>
+    <a:masterClrMapping/>
+  </p:clrMapOvr>
+</p:sld>
+</file>
+
+<file path=ppt/slides/slide29.xml><?xml version="1.0" encoding="utf-8"?>
+<p:sld xmlns:a="http://schemas.openxmlformats.org/drawingml/2006/main" xmlns:r="http://schemas.openxmlformats.org/officeDocument/2006/relationships" xmlns:p="http://schemas.openxmlformats.org/presentationml/2006/main">
+  <p:cSld>
+    <p:spTree>
+      <p:nvGrpSpPr>
+        <p:cNvPr id="1" name=""/>
+        <p:cNvGrpSpPr/>
+        <p:nvPr/>
+      </p:nvGrpSpPr>
+      <p:grpSpPr>
+        <a:xfrm>
+          <a:off x="0" y="0"/>
+          <a:ext cx="0" cy="0"/>
+          <a:chOff x="0" y="0"/>
+          <a:chExt cx="0" cy="0"/>
+        </a:xfrm>
+      </p:grpSpPr>
+      <p:sp>
+        <p:nvSpPr>
+          <p:cNvPr id="3" name="Content Placeholder 2">
+            <a:extLst>
+              <a:ext uri="{FF2B5EF4-FFF2-40B4-BE49-F238E27FC236}">
+                <a16:creationId xmlns:a16="http://schemas.microsoft.com/office/drawing/2014/main" id="{5EAFF872-1419-9379-B407-150975E214C1}"/>
+              </a:ext>
+            </a:extLst>
+          </p:cNvPr>
+          <p:cNvSpPr>
+            <a:spLocks noGrp="1"/>
+          </p:cNvSpPr>
+          <p:nvPr>
+            <p:ph idx="1"/>
+          </p:nvPr>
+        </p:nvSpPr>
+        <p:spPr>
+          <a:xfrm>
+            <a:off x="252549" y="419317"/>
+            <a:ext cx="11469188" cy="5598306"/>
+          </a:xfrm>
+        </p:spPr>
+        <p:txBody>
+          <a:bodyPr/>
+          <a:lstStyle/>
+          <a:p>
+            <a:r>
+              <a:rPr lang="en-US" sz="2000" dirty="0"/>
+              <a:t>Industry and Occupation Impact: The industry and occupation in which individuals are employed significantly influence income levels. Tailoring policies to specific industries and occupations can help address income disparities effectively.</a:t>
+            </a:r>
+          </a:p>
+          <a:p>
+            <a:endParaRPr lang="en-US" sz="2000" dirty="0"/>
+          </a:p>
+          <a:p>
+            <a:r>
+              <a:rPr lang="en-US" sz="2000" dirty="0"/>
+              <a:t>Tax Status Implications: Tax-related policies have a substantial impact on income, underscoring the importance of fair and inclusive tax structures in promoting economic equality.</a:t>
+            </a:r>
+          </a:p>
+          <a:p>
+            <a:endParaRPr lang="en-US" sz="2000" dirty="0"/>
+          </a:p>
+          <a:p>
+            <a:r>
+              <a:rPr lang="en-US" sz="2000" dirty="0"/>
+              <a:t>Citizenship Influence: Citizenship status affects income distribution, indicating the need for policies that ensure fair opportunities and rights for individuals of different citizenship categories.</a:t>
+            </a:r>
+          </a:p>
+          <a:p>
+            <a:endParaRPr lang="en-US" dirty="0"/>
+          </a:p>
+          <a:p>
+            <a:endParaRPr lang="en-US" dirty="0"/>
+          </a:p>
+        </p:txBody>
+      </p:sp>
+    </p:spTree>
+    <p:extLst>
+      <p:ext uri="{BB962C8B-B14F-4D97-AF65-F5344CB8AC3E}">
+        <p14:creationId xmlns:p14="http://schemas.microsoft.com/office/powerpoint/2010/main" val="944894813"/>
+      </p:ext>
+    </p:extLst>
+  </p:cSld>
+  <p:clrMapOvr>
+    <a:masterClrMapping/>
+  </p:clrMapOvr>
+</p:sld>
+</file>
+
+<file path=ppt/slides/slide3.xml><?xml version="1.0" encoding="utf-8"?>
+<p:sld xmlns:a="http://schemas.openxmlformats.org/drawingml/2006/main" xmlns:r="http://schemas.openxmlformats.org/officeDocument/2006/relationships" xmlns:p="http://schemas.openxmlformats.org/presentationml/2006/main">
+  <p:cSld>
+    <p:spTree>
+      <p:nvGrpSpPr>
+        <p:cNvPr id="1" name=""/>
+        <p:cNvGrpSpPr/>
+        <p:nvPr/>
+      </p:nvGrpSpPr>
+      <p:grpSpPr>
+        <a:xfrm>
+          <a:off x="0" y="0"/>
+          <a:ext cx="0" cy="0"/>
+          <a:chOff x="0" y="0"/>
+          <a:chExt cx="0" cy="0"/>
+        </a:xfrm>
+      </p:grpSpPr>
+      <p:sp>
+        <p:nvSpPr>
+          <p:cNvPr id="2" name="Title 1">
+            <a:extLst>
+              <a:ext uri="{FF2B5EF4-FFF2-40B4-BE49-F238E27FC236}">
+                <a16:creationId xmlns:a16="http://schemas.microsoft.com/office/drawing/2014/main" id="{4A940BC6-9DA0-FB4D-8879-DC8B3958C07C}"/>
+              </a:ext>
+            </a:extLst>
+          </p:cNvPr>
+          <p:cNvSpPr>
+            <a:spLocks noGrp="1"/>
+          </p:cNvSpPr>
+          <p:nvPr>
+            <p:ph type="title"/>
+          </p:nvPr>
+        </p:nvSpPr>
+        <p:spPr>
+          <a:xfrm>
+            <a:off x="3640183" y="165464"/>
+            <a:ext cx="9231958" cy="1045028"/>
+          </a:xfrm>
+        </p:spPr>
+        <p:txBody>
+          <a:bodyPr/>
+          <a:lstStyle/>
+          <a:p>
+            <a:r>
+              <a:rPr lang="en-US" dirty="0"/>
+              <a:t>Introduction</a:t>
+            </a:r>
+          </a:p>
+        </p:txBody>
+      </p:sp>
+      <p:sp>
+        <p:nvSpPr>
+          <p:cNvPr id="3" name="Content Placeholder 2">
+            <a:extLst>
+              <a:ext uri="{FF2B5EF4-FFF2-40B4-BE49-F238E27FC236}">
+                <a16:creationId xmlns:a16="http://schemas.microsoft.com/office/drawing/2014/main" id="{1E0B8C4B-3A3C-9FD1-59FB-1666C1F09376}"/>
+              </a:ext>
+            </a:extLst>
+          </p:cNvPr>
+          <p:cNvSpPr>
+            <a:spLocks noGrp="1"/>
+          </p:cNvSpPr>
+          <p:nvPr>
+            <p:ph idx="1"/>
+          </p:nvPr>
+        </p:nvSpPr>
+        <p:spPr>
+          <a:xfrm>
+            <a:off x="3361509" y="1502228"/>
+            <a:ext cx="8490857" cy="4556034"/>
+          </a:xfrm>
+        </p:spPr>
+        <p:txBody>
+          <a:bodyPr/>
+          <a:lstStyle/>
+          <a:p>
+            <a:r>
+              <a:rPr lang="en-US" b="0" i="0" dirty="0">
+                <a:solidFill>
+                  <a:srgbClr val="1F2328"/>
+                </a:solidFill>
+                <a:effectLst/>
+                <a:latin typeface="Consolas" panose="020B0609020204030204" pitchFamily="49" charset="0"/>
+              </a:rPr>
+              <a:t>The growing disparity in income distribution poses a significant challenge, especially in developing nations. Traditional methods of monitoring income levels between census years are costly and may lack accuracy. This project addresses this issue by employing machine learning to predict income levels, offering a more efficient and precise alternative for policymakers.</a:t>
+            </a:r>
+          </a:p>
+          <a:p>
+            <a:endParaRPr lang="en-US" dirty="0">
+              <a:solidFill>
+                <a:srgbClr val="000000"/>
+              </a:solidFill>
+              <a:latin typeface="Consolas" panose="020B0609020204030204" pitchFamily="49" charset="0"/>
+            </a:endParaRPr>
+          </a:p>
+          <a:p>
+            <a:r>
+              <a:rPr lang="en-US" b="0" dirty="0">
+                <a:solidFill>
+                  <a:srgbClr val="000000"/>
+                </a:solidFill>
+                <a:effectLst/>
+                <a:latin typeface="Consolas" panose="020B0609020204030204" pitchFamily="49" charset="0"/>
+              </a:rPr>
+              <a:t>This project aims to leverage machine learning to predict whether an individual's income surpasses or falls below a specific threshold.(50k) </a:t>
+            </a:r>
+          </a:p>
+          <a:p>
+            <a:endParaRPr lang="en-US" dirty="0">
+              <a:solidFill>
+                <a:srgbClr val="000000"/>
+              </a:solidFill>
+              <a:latin typeface="Consolas" panose="020B0609020204030204" pitchFamily="49" charset="0"/>
+            </a:endParaRPr>
+          </a:p>
+          <a:p>
+            <a:r>
+              <a:rPr lang="en-US" b="0" dirty="0">
+                <a:solidFill>
+                  <a:srgbClr val="000000"/>
+                </a:solidFill>
+                <a:effectLst/>
+                <a:latin typeface="Consolas" panose="020B0609020204030204" pitchFamily="49" charset="0"/>
+              </a:rPr>
+              <a:t>The goal is to develop a model that not only reduces the cost but also enhances the accuracy of monitoring key population indicators, providing valuable insights for policymakers to mitigate and prevent global income inequality.</a:t>
+            </a:r>
+          </a:p>
+          <a:p>
+            <a:endParaRPr lang="en-US" dirty="0"/>
+          </a:p>
+        </p:txBody>
+      </p:sp>
+      <p:sp>
+        <p:nvSpPr>
+          <p:cNvPr id="15" name="Slide Number Placeholder 14">
+            <a:extLst>
+              <a:ext uri="{FF2B5EF4-FFF2-40B4-BE49-F238E27FC236}">
+                <a16:creationId xmlns:a16="http://schemas.microsoft.com/office/drawing/2014/main" id="{7FC3FD3F-45EE-74E3-AD64-441303B83EF3}"/>
+              </a:ext>
+            </a:extLst>
+          </p:cNvPr>
+          <p:cNvSpPr>
+            <a:spLocks noGrp="1"/>
+          </p:cNvSpPr>
+          <p:nvPr>
+            <p:ph type="sldNum" sz="quarter" idx="12"/>
+          </p:nvPr>
+        </p:nvSpPr>
+        <p:spPr/>
+        <p:txBody>
+          <a:bodyPr/>
+          <a:lstStyle/>
+          <a:p>
+            <a:fld id="{48F63A3B-78C7-47BE-AE5E-E10140E04643}" type="slidenum">
+              <a:rPr lang="en-US" smtClean="0"/>
+              <a:t>3</a:t>
+            </a:fld>
+            <a:endParaRPr lang="en-US" dirty="0"/>
+          </a:p>
+        </p:txBody>
+      </p:sp>
+    </p:spTree>
+    <p:extLst>
+      <p:ext uri="{BB962C8B-B14F-4D97-AF65-F5344CB8AC3E}">
+        <p14:creationId xmlns:p14="http://schemas.microsoft.com/office/powerpoint/2010/main" val="979622006"/>
+      </p:ext>
+    </p:extLst>
+  </p:cSld>
+  <p:clrMapOvr>
+    <a:masterClrMapping/>
+  </p:clrMapOvr>
+</p:sld>
+</file>
+
+<file path=ppt/slides/slide30.xml><?xml version="1.0" encoding="utf-8"?>
+<p:sld xmlns:a="http://schemas.openxmlformats.org/drawingml/2006/main" xmlns:r="http://schemas.openxmlformats.org/officeDocument/2006/relationships" xmlns:p="http://schemas.openxmlformats.org/presentationml/2006/main">
+  <p:cSld>
+    <p:spTree>
+      <p:nvGrpSpPr>
+        <p:cNvPr id="1" name=""/>
+        <p:cNvGrpSpPr/>
+        <p:nvPr/>
+      </p:nvGrpSpPr>
+      <p:grpSpPr>
+        <a:xfrm>
+          <a:off x="0" y="0"/>
+          <a:ext cx="0" cy="0"/>
+          <a:chOff x="0" y="0"/>
+          <a:chExt cx="0" cy="0"/>
+        </a:xfrm>
+      </p:grpSpPr>
+      <p:sp>
+        <p:nvSpPr>
+          <p:cNvPr id="3" name="Content Placeholder 2">
+            <a:extLst>
+              <a:ext uri="{FF2B5EF4-FFF2-40B4-BE49-F238E27FC236}">
+                <a16:creationId xmlns:a16="http://schemas.microsoft.com/office/drawing/2014/main" id="{B5A16833-9D03-79DF-232C-7A0A7D8D090F}"/>
+              </a:ext>
+            </a:extLst>
+          </p:cNvPr>
+          <p:cNvSpPr>
+            <a:spLocks noGrp="1"/>
+          </p:cNvSpPr>
+          <p:nvPr>
+            <p:ph idx="1"/>
+          </p:nvPr>
+        </p:nvSpPr>
+        <p:spPr>
+          <a:xfrm>
+            <a:off x="365760" y="306832"/>
+            <a:ext cx="11155679" cy="5388574"/>
+          </a:xfrm>
+        </p:spPr>
+        <p:txBody>
+          <a:bodyPr/>
+          <a:lstStyle/>
+          <a:p>
+            <a:r>
+              <a:rPr lang="en-US" sz="2000" dirty="0"/>
+              <a:t>In summary, a multifaceted approach is necessary to address income inequality, considering factors such as age, gender, education, work class, marital status, race, industry, occupation, tax status, and citizenship. Tailored interventions in these areas can contribute to a more equitable distribution of income and foster inclusive economic growth</a:t>
+            </a:r>
+          </a:p>
+          <a:p>
+            <a:endParaRPr lang="en-US" dirty="0"/>
+          </a:p>
+        </p:txBody>
+      </p:sp>
+    </p:spTree>
+    <p:extLst>
+      <p:ext uri="{BB962C8B-B14F-4D97-AF65-F5344CB8AC3E}">
+        <p14:creationId xmlns:p14="http://schemas.microsoft.com/office/powerpoint/2010/main" val="1438948748"/>
+      </p:ext>
+    </p:extLst>
+  </p:cSld>
+  <p:clrMapOvr>
+    <a:masterClrMapping/>
+  </p:clrMapOvr>
+</p:sld>
+</file>
+
+<file path=ppt/slides/slide31.xml><?xml version="1.0" encoding="utf-8"?>
+<p:sld xmlns:a="http://schemas.openxmlformats.org/drawingml/2006/main" xmlns:r="http://schemas.openxmlformats.org/officeDocument/2006/relationships" xmlns:p="http://schemas.openxmlformats.org/presentationml/2006/main">
+  <p:cSld>
+    <p:spTree>
+      <p:nvGrpSpPr>
+        <p:cNvPr id="1" name=""/>
+        <p:cNvGrpSpPr/>
+        <p:nvPr/>
+      </p:nvGrpSpPr>
+      <p:grpSpPr>
+        <a:xfrm>
+          <a:off x="0" y="0"/>
+          <a:ext cx="0" cy="0"/>
+          <a:chOff x="0" y="0"/>
+          <a:chExt cx="0" cy="0"/>
+        </a:xfrm>
+      </p:grpSpPr>
+      <p:sp>
+        <p:nvSpPr>
           <p:cNvPr id="3" name="Content Placeholder 2">
             <a:extLst>
               <a:ext uri="{FF2B5EF4-FFF2-40B4-BE49-F238E27FC236}">
@@ -26115,7 +26755,7 @@
 </p:sld>
 </file>
 
-<file path=ppt/slides/slide27.xml><?xml version="1.0" encoding="utf-8"?>
+<file path=ppt/slides/slide32.xml><?xml version="1.0" encoding="utf-8"?>
 <p:sld xmlns:a="http://schemas.openxmlformats.org/drawingml/2006/main" xmlns:r="http://schemas.openxmlformats.org/officeDocument/2006/relationships" xmlns:p="http://schemas.openxmlformats.org/presentationml/2006/main">
   <p:cSld>
     <p:spTree>
@@ -26145,13 +26785,13 @@
             <a:spLocks noGrp="1"/>
           </p:cNvSpPr>
           <p:nvPr>
-            <p:ph type="ctrTitle"/>
+            <p:ph type="title"/>
           </p:nvPr>
         </p:nvSpPr>
         <p:spPr>
           <a:xfrm>
-            <a:off x="2759964" y="1326969"/>
-            <a:ext cx="5910072" cy="667512"/>
+            <a:off x="2813739" y="550672"/>
+            <a:ext cx="6766560" cy="768096"/>
           </a:xfrm>
         </p:spPr>
         <p:txBody>
@@ -26187,7 +26827,7 @@
         </p:blipFill>
         <p:spPr>
           <a:xfrm>
-            <a:off x="2897777" y="2153044"/>
+            <a:off x="3202577" y="1688299"/>
             <a:ext cx="5634445" cy="3481401"/>
           </a:xfrm>
           <a:prstGeom prst="rect">
@@ -26195,157 +26835,12 @@
           </a:prstGeom>
         </p:spPr>
       </p:pic>
-    </p:spTree>
-    <p:extLst>
-      <p:ext uri="{BB962C8B-B14F-4D97-AF65-F5344CB8AC3E}">
-        <p14:creationId xmlns:p14="http://schemas.microsoft.com/office/powerpoint/2010/main" val="1003962426"/>
-      </p:ext>
-    </p:extLst>
-  </p:cSld>
-  <p:clrMapOvr>
-    <a:masterClrMapping/>
-  </p:clrMapOvr>
-</p:sld>
-</file>
-
-<file path=ppt/slides/slide3.xml><?xml version="1.0" encoding="utf-8"?>
-<p:sld xmlns:a="http://schemas.openxmlformats.org/drawingml/2006/main" xmlns:r="http://schemas.openxmlformats.org/officeDocument/2006/relationships" xmlns:p="http://schemas.openxmlformats.org/presentationml/2006/main">
-  <p:cSld>
-    <p:spTree>
-      <p:nvGrpSpPr>
-        <p:cNvPr id="1" name=""/>
-        <p:cNvGrpSpPr/>
-        <p:nvPr/>
-      </p:nvGrpSpPr>
-      <p:grpSpPr>
-        <a:xfrm>
-          <a:off x="0" y="0"/>
-          <a:ext cx="0" cy="0"/>
-          <a:chOff x="0" y="0"/>
-          <a:chExt cx="0" cy="0"/>
-        </a:xfrm>
-      </p:grpSpPr>
       <p:sp>
         <p:nvSpPr>
-          <p:cNvPr id="2" name="Title 1">
+          <p:cNvPr id="4" name="Slide Number Placeholder 3">
             <a:extLst>
               <a:ext uri="{FF2B5EF4-FFF2-40B4-BE49-F238E27FC236}">
-                <a16:creationId xmlns:a16="http://schemas.microsoft.com/office/drawing/2014/main" id="{4A940BC6-9DA0-FB4D-8879-DC8B3958C07C}"/>
-              </a:ext>
-            </a:extLst>
-          </p:cNvPr>
-          <p:cNvSpPr>
-            <a:spLocks noGrp="1"/>
-          </p:cNvSpPr>
-          <p:nvPr>
-            <p:ph type="title"/>
-          </p:nvPr>
-        </p:nvSpPr>
-        <p:spPr>
-          <a:xfrm>
-            <a:off x="3640183" y="165464"/>
-            <a:ext cx="9231958" cy="1045028"/>
-          </a:xfrm>
-        </p:spPr>
-        <p:txBody>
-          <a:bodyPr/>
-          <a:lstStyle/>
-          <a:p>
-            <a:r>
-              <a:rPr lang="en-US" dirty="0"/>
-              <a:t>Introduction</a:t>
-            </a:r>
-          </a:p>
-        </p:txBody>
-      </p:sp>
-      <p:sp>
-        <p:nvSpPr>
-          <p:cNvPr id="3" name="Content Placeholder 2">
-            <a:extLst>
-              <a:ext uri="{FF2B5EF4-FFF2-40B4-BE49-F238E27FC236}">
-                <a16:creationId xmlns:a16="http://schemas.microsoft.com/office/drawing/2014/main" id="{1E0B8C4B-3A3C-9FD1-59FB-1666C1F09376}"/>
-              </a:ext>
-            </a:extLst>
-          </p:cNvPr>
-          <p:cNvSpPr>
-            <a:spLocks noGrp="1"/>
-          </p:cNvSpPr>
-          <p:nvPr>
-            <p:ph idx="1"/>
-          </p:nvPr>
-        </p:nvSpPr>
-        <p:spPr>
-          <a:xfrm>
-            <a:off x="3361509" y="1502228"/>
-            <a:ext cx="8490857" cy="4556034"/>
-          </a:xfrm>
-        </p:spPr>
-        <p:txBody>
-          <a:bodyPr/>
-          <a:lstStyle/>
-          <a:p>
-            <a:r>
-              <a:rPr lang="en-US" b="0" dirty="0">
-                <a:solidFill>
-                  <a:srgbClr val="000000"/>
-                </a:solidFill>
-                <a:effectLst/>
-                <a:latin typeface="Consolas" panose="020B0609020204030204" pitchFamily="49" charset="0"/>
-              </a:rPr>
-              <a:t>Income inequality is a pressing issue in developing nations worldwide, exacerbated by the advent of AI and automation. </a:t>
-            </a:r>
-          </a:p>
-          <a:p>
-            <a:endParaRPr lang="en-US" dirty="0">
-              <a:solidFill>
-                <a:srgbClr val="000000"/>
-              </a:solidFill>
-              <a:latin typeface="Consolas" panose="020B0609020204030204" pitchFamily="49" charset="0"/>
-            </a:endParaRPr>
-          </a:p>
-          <a:p>
-            <a:r>
-              <a:rPr lang="en-US" b="0" dirty="0">
-                <a:solidFill>
-                  <a:srgbClr val="000000"/>
-                </a:solidFill>
-                <a:effectLst/>
-                <a:latin typeface="Consolas" panose="020B0609020204030204" pitchFamily="49" charset="0"/>
-              </a:rPr>
-              <a:t>This project aims to leverage machine learning to predict whether an individual's income surpasses or falls below a specific threshold. </a:t>
-            </a:r>
-          </a:p>
-          <a:p>
-            <a:endParaRPr lang="en-US" dirty="0">
-              <a:solidFill>
-                <a:srgbClr val="000000"/>
-              </a:solidFill>
-              <a:latin typeface="Consolas" panose="020B0609020204030204" pitchFamily="49" charset="0"/>
-            </a:endParaRPr>
-          </a:p>
-          <a:p>
-            <a:r>
-              <a:rPr lang="en-US" b="0" dirty="0">
-                <a:solidFill>
-                  <a:srgbClr val="000000"/>
-                </a:solidFill>
-                <a:effectLst/>
-                <a:latin typeface="Consolas" panose="020B0609020204030204" pitchFamily="49" charset="0"/>
-              </a:rPr>
-              <a:t>The goal is to develop a model that not only reduces the cost but also enhances the accuracy of monitoring key population indicators, providing valuable insights for policymakers to mitigate and prevent global income inequality.</a:t>
-            </a:r>
-          </a:p>
-          <a:p>
-            <a:endParaRPr lang="en-US" dirty="0"/>
-          </a:p>
-        </p:txBody>
-      </p:sp>
-      <p:sp>
-        <p:nvSpPr>
-          <p:cNvPr id="15" name="Slide Number Placeholder 14">
-            <a:extLst>
-              <a:ext uri="{FF2B5EF4-FFF2-40B4-BE49-F238E27FC236}">
-                <a16:creationId xmlns:a16="http://schemas.microsoft.com/office/drawing/2014/main" id="{7FC3FD3F-45EE-74E3-AD64-441303B83EF3}"/>
+                <a16:creationId xmlns:a16="http://schemas.microsoft.com/office/drawing/2014/main" id="{EEA92A11-E653-711C-3D48-4BDD8FFC4BC9}"/>
               </a:ext>
             </a:extLst>
           </p:cNvPr>
@@ -26363,7 +26858,7 @@
           <a:p>
             <a:fld id="{48F63A3B-78C7-47BE-AE5E-E10140E04643}" type="slidenum">
               <a:rPr lang="en-US" smtClean="0"/>
-              <a:t>3</a:t>
+              <a:t>32</a:t>
             </a:fld>
             <a:endParaRPr lang="en-US" dirty="0"/>
           </a:p>
@@ -26372,7 +26867,7 @@
     </p:spTree>
     <p:extLst>
       <p:ext uri="{BB962C8B-B14F-4D97-AF65-F5344CB8AC3E}">
-        <p14:creationId xmlns:p14="http://schemas.microsoft.com/office/powerpoint/2010/main" val="979622006"/>
+        <p14:creationId xmlns:p14="http://schemas.microsoft.com/office/powerpoint/2010/main" val="1003962426"/>
       </p:ext>
     </p:extLst>
   </p:cSld>
@@ -26803,8 +27298,8 @@
         </p:nvSpPr>
         <p:spPr>
           <a:xfrm>
-            <a:off x="1499615" y="316992"/>
-            <a:ext cx="8210441" cy="768096"/>
+            <a:off x="3919728" y="166624"/>
+            <a:ext cx="6766560" cy="768096"/>
           </a:xfrm>
         </p:spPr>
         <p:txBody>
@@ -26836,8 +27331,8 @@
         </p:nvSpPr>
         <p:spPr>
           <a:xfrm>
-            <a:off x="313509" y="867372"/>
-            <a:ext cx="10378875" cy="5472467"/>
+            <a:off x="3919728" y="1158821"/>
+            <a:ext cx="6766560" cy="2700528"/>
           </a:xfrm>
         </p:spPr>
         <p:txBody>
@@ -27095,6 +27590,35 @@
             </a:endParaRPr>
           </a:p>
           <a:p>
+            <a:endParaRPr lang="en-US" dirty="0"/>
+          </a:p>
+        </p:txBody>
+      </p:sp>
+      <p:sp>
+        <p:nvSpPr>
+          <p:cNvPr id="4" name="Slide Number Placeholder 3">
+            <a:extLst>
+              <a:ext uri="{FF2B5EF4-FFF2-40B4-BE49-F238E27FC236}">
+                <a16:creationId xmlns:a16="http://schemas.microsoft.com/office/drawing/2014/main" id="{20D7F0D3-474C-4502-32D0-D910C938B643}"/>
+              </a:ext>
+            </a:extLst>
+          </p:cNvPr>
+          <p:cNvSpPr>
+            <a:spLocks noGrp="1"/>
+          </p:cNvSpPr>
+          <p:nvPr>
+            <p:ph type="sldNum" sz="quarter" idx="12"/>
+          </p:nvPr>
+        </p:nvSpPr>
+        <p:spPr/>
+        <p:txBody>
+          <a:bodyPr/>
+          <a:lstStyle/>
+          <a:p>
+            <a:fld id="{48F63A3B-78C7-47BE-AE5E-E10140E04643}" type="slidenum">
+              <a:rPr lang="en-US" smtClean="0"/>
+              <a:t>6</a:t>
+            </a:fld>
             <a:endParaRPr lang="en-US" dirty="0"/>
           </a:p>
         </p:txBody>
@@ -27304,7 +27828,7 @@
         </p:blipFill>
         <p:spPr>
           <a:xfrm>
-            <a:off x="1097587" y="1448332"/>
+            <a:off x="1147664" y="1585366"/>
             <a:ext cx="7297168" cy="1609950"/>
           </a:xfrm>
           <a:prstGeom prst="rect">
@@ -28138,6 +28662,15 @@
 </file>
 
 <file path=customXml/item1.xml><?xml version="1.0" encoding="utf-8"?>
+<?mso-contentType ?>
+<FormTemplates xmlns="http://schemas.microsoft.com/sharepoint/v3/contenttype/forms">
+  <Display>DocumentLibraryForm</Display>
+  <Edit>DocumentLibraryForm</Edit>
+  <New>DocumentLibraryForm</New>
+</FormTemplates>
+</file>
+
+<file path=customXml/item2.xml><?xml version="1.0" encoding="utf-8"?>
 <p:properties xmlns:p="http://schemas.microsoft.com/office/2006/metadata/properties" xmlns:xsi="http://www.w3.org/2001/XMLSchema-instance" xmlns:pc="http://schemas.microsoft.com/office/infopath/2007/PartnerControls">
   <documentManagement>
     <_ip_UnifiedCompliancePolicyUIAction xmlns="http://schemas.microsoft.com/sharepoint/v3" xsi:nil="true"/>
@@ -28155,15 +28688,6 @@
     <MediaServiceKeyPoints xmlns="71af3243-3dd4-4a8d-8c0d-dd76da1f02a5" xsi:nil="true"/>
   </documentManagement>
 </p:properties>
-</file>
-
-<file path=customXml/item2.xml><?xml version="1.0" encoding="utf-8"?>
-<?mso-contentType ?>
-<FormTemplates xmlns="http://schemas.microsoft.com/sharepoint/v3/contenttype/forms">
-  <Display>DocumentLibraryForm</Display>
-  <Edit>DocumentLibraryForm</Edit>
-  <New>DocumentLibraryForm</New>
-</FormTemplates>
 </file>
 
 <file path=customXml/item3.xml><?xml version="1.0" encoding="utf-8"?>
@@ -28479,6 +29003,14 @@
 </file>
 
 <file path=customXml/itemProps1.xml><?xml version="1.0" encoding="utf-8"?>
+<ds:datastoreItem xmlns:ds="http://schemas.openxmlformats.org/officeDocument/2006/customXml" ds:itemID="{69060146-7700-4F6C-986B-89E3839BD4ED}">
+  <ds:schemaRefs>
+    <ds:schemaRef ds:uri="http://schemas.microsoft.com/sharepoint/v3/contenttype/forms"/>
+  </ds:schemaRefs>
+</ds:datastoreItem>
+</file>
+
+<file path=customXml/itemProps2.xml><?xml version="1.0" encoding="utf-8"?>
 <ds:datastoreItem xmlns:ds="http://schemas.openxmlformats.org/officeDocument/2006/customXml" ds:itemID="{D235FEF8-1733-4347-95CE-3BB62B2B8DD7}">
   <ds:schemaRefs>
     <ds:schemaRef ds:uri="http://schemas.microsoft.com/office/2006/metadata/properties"/>
@@ -28486,14 +29018,6 @@
     <ds:schemaRef ds:uri="http://schemas.microsoft.com/sharepoint/v3"/>
     <ds:schemaRef ds:uri="71af3243-3dd4-4a8d-8c0d-dd76da1f02a5"/>
     <ds:schemaRef ds:uri="230e9df3-be65-4c73-a93b-d1236ebd677e"/>
-  </ds:schemaRefs>
-</ds:datastoreItem>
-</file>
-
-<file path=customXml/itemProps2.xml><?xml version="1.0" encoding="utf-8"?>
-<ds:datastoreItem xmlns:ds="http://schemas.openxmlformats.org/officeDocument/2006/customXml" ds:itemID="{69060146-7700-4F6C-986B-89E3839BD4ED}">
-  <ds:schemaRefs>
-    <ds:schemaRef ds:uri="http://schemas.microsoft.com/sharepoint/v3/contenttype/forms"/>
   </ds:schemaRefs>
 </ds:datastoreItem>
 </file>
